--- a/2 - 파티클 기초.pptx
+++ b/2 - 파티클 기초.pptx
@@ -30,21 +30,26 @@
     <p:sldId id="296" r:id="rId24"/>
     <p:sldId id="297" r:id="rId25"/>
     <p:sldId id="298" r:id="rId26"/>
-    <p:sldId id="300" r:id="rId27"/>
-    <p:sldId id="301" r:id="rId28"/>
-    <p:sldId id="277" r:id="rId29"/>
+    <p:sldId id="301" r:id="rId27"/>
+    <p:sldId id="302" r:id="rId28"/>
+    <p:sldId id="303" r:id="rId29"/>
+    <p:sldId id="304" r:id="rId30"/>
+    <p:sldId id="305" r:id="rId31"/>
+    <p:sldId id="306" r:id="rId32"/>
+    <p:sldId id="307" r:id="rId33"/>
+    <p:sldId id="277" r:id="rId34"/>
   </p:sldIdLst>
   <p:sldSz cx="12192000" cy="6858000"/>
   <p:notesSz cx="6858000" cy="9144000"/>
   <p:embeddedFontLst>
     <p:embeddedFont>
       <p:font typeface="나눔스퀘어OTF Light" panose="020B0600000101010101" pitchFamily="34" charset="-127"/>
-      <p:regular r:id="rId30"/>
+      <p:regular r:id="rId35"/>
     </p:embeddedFont>
     <p:embeddedFont>
       <p:font typeface="맑은 고딕" panose="020B0503020000020004" pitchFamily="50" charset="-127"/>
-      <p:regular r:id="rId31"/>
-      <p:bold r:id="rId32"/>
+      <p:regular r:id="rId36"/>
+      <p:bold r:id="rId37"/>
     </p:embeddedFont>
   </p:embeddedFontLst>
   <p:defaultTextStyle>
@@ -297,7 +302,7 @@
           <a:p>
             <a:fld id="{3BAD717E-5B48-41D6-98B3-DB23E84BF0BC}" type="datetimeFigureOut">
               <a:rPr lang="ko-KR" altLang="en-US" smtClean="0"/>
-              <a:t>2022-01-24</a:t>
+              <a:t>2022-01-25</a:t>
             </a:fld>
             <a:endParaRPr lang="ko-KR" altLang="en-US"/>
           </a:p>
@@ -495,7 +500,7 @@
           <a:p>
             <a:fld id="{3BAD717E-5B48-41D6-98B3-DB23E84BF0BC}" type="datetimeFigureOut">
               <a:rPr lang="ko-KR" altLang="en-US" smtClean="0"/>
-              <a:t>2022-01-24</a:t>
+              <a:t>2022-01-25</a:t>
             </a:fld>
             <a:endParaRPr lang="ko-KR" altLang="en-US"/>
           </a:p>
@@ -703,7 +708,7 @@
           <a:p>
             <a:fld id="{3BAD717E-5B48-41D6-98B3-DB23E84BF0BC}" type="datetimeFigureOut">
               <a:rPr lang="ko-KR" altLang="en-US" smtClean="0"/>
-              <a:t>2022-01-24</a:t>
+              <a:t>2022-01-25</a:t>
             </a:fld>
             <a:endParaRPr lang="ko-KR" altLang="en-US"/>
           </a:p>
@@ -901,7 +906,7 @@
           <a:p>
             <a:fld id="{3BAD717E-5B48-41D6-98B3-DB23E84BF0BC}" type="datetimeFigureOut">
               <a:rPr lang="ko-KR" altLang="en-US" smtClean="0"/>
-              <a:t>2022-01-24</a:t>
+              <a:t>2022-01-25</a:t>
             </a:fld>
             <a:endParaRPr lang="ko-KR" altLang="en-US"/>
           </a:p>
@@ -1176,7 +1181,7 @@
           <a:p>
             <a:fld id="{3BAD717E-5B48-41D6-98B3-DB23E84BF0BC}" type="datetimeFigureOut">
               <a:rPr lang="ko-KR" altLang="en-US" smtClean="0"/>
-              <a:t>2022-01-24</a:t>
+              <a:t>2022-01-25</a:t>
             </a:fld>
             <a:endParaRPr lang="ko-KR" altLang="en-US"/>
           </a:p>
@@ -1441,7 +1446,7 @@
           <a:p>
             <a:fld id="{3BAD717E-5B48-41D6-98B3-DB23E84BF0BC}" type="datetimeFigureOut">
               <a:rPr lang="ko-KR" altLang="en-US" smtClean="0"/>
-              <a:t>2022-01-24</a:t>
+              <a:t>2022-01-25</a:t>
             </a:fld>
             <a:endParaRPr lang="ko-KR" altLang="en-US"/>
           </a:p>
@@ -1853,7 +1858,7 @@
           <a:p>
             <a:fld id="{3BAD717E-5B48-41D6-98B3-DB23E84BF0BC}" type="datetimeFigureOut">
               <a:rPr lang="ko-KR" altLang="en-US" smtClean="0"/>
-              <a:t>2022-01-24</a:t>
+              <a:t>2022-01-25</a:t>
             </a:fld>
             <a:endParaRPr lang="ko-KR" altLang="en-US"/>
           </a:p>
@@ -1994,7 +1999,7 @@
           <a:p>
             <a:fld id="{3BAD717E-5B48-41D6-98B3-DB23E84BF0BC}" type="datetimeFigureOut">
               <a:rPr lang="ko-KR" altLang="en-US" smtClean="0"/>
-              <a:t>2022-01-24</a:t>
+              <a:t>2022-01-25</a:t>
             </a:fld>
             <a:endParaRPr lang="ko-KR" altLang="en-US"/>
           </a:p>
@@ -2107,7 +2112,7 @@
           <a:p>
             <a:fld id="{3BAD717E-5B48-41D6-98B3-DB23E84BF0BC}" type="datetimeFigureOut">
               <a:rPr lang="ko-KR" altLang="en-US" smtClean="0"/>
-              <a:t>2022-01-24</a:t>
+              <a:t>2022-01-25</a:t>
             </a:fld>
             <a:endParaRPr lang="ko-KR" altLang="en-US"/>
           </a:p>
@@ -2418,7 +2423,7 @@
           <a:p>
             <a:fld id="{3BAD717E-5B48-41D6-98B3-DB23E84BF0BC}" type="datetimeFigureOut">
               <a:rPr lang="ko-KR" altLang="en-US" smtClean="0"/>
-              <a:t>2022-01-24</a:t>
+              <a:t>2022-01-25</a:t>
             </a:fld>
             <a:endParaRPr lang="ko-KR" altLang="en-US"/>
           </a:p>
@@ -2706,7 +2711,7 @@
           <a:p>
             <a:fld id="{3BAD717E-5B48-41D6-98B3-DB23E84BF0BC}" type="datetimeFigureOut">
               <a:rPr lang="ko-KR" altLang="en-US" smtClean="0"/>
-              <a:t>2022-01-24</a:t>
+              <a:t>2022-01-25</a:t>
             </a:fld>
             <a:endParaRPr lang="ko-KR" altLang="en-US"/>
           </a:p>
@@ -2947,7 +2952,7 @@
           <a:p>
             <a:fld id="{3BAD717E-5B48-41D6-98B3-DB23E84BF0BC}" type="datetimeFigureOut">
               <a:rPr lang="ko-KR" altLang="en-US" smtClean="0"/>
-              <a:t>2022-01-24</a:t>
+              <a:t>2022-01-25</a:t>
             </a:fld>
             <a:endParaRPr lang="ko-KR" altLang="en-US"/>
           </a:p>
@@ -6916,7 +6921,7 @@
                 <a:latin typeface="나눔스퀘어OTF Light" panose="020B0600000101010101" pitchFamily="34" charset="-127"/>
                 <a:ea typeface="나눔스퀘어OTF Light" panose="020B0600000101010101" pitchFamily="34" charset="-127"/>
               </a:rPr>
-              <a:t>폭발 파티클</a:t>
+              <a:t>카툰 불꽃 파티클</a:t>
             </a:r>
             <a:endParaRPr lang="en-US" altLang="ko-KR" sz="2000">
               <a:latin typeface="나눔스퀘어OTF Light" panose="020B0600000101010101" pitchFamily="34" charset="-127"/>
@@ -8026,7 +8031,7 @@
         </p:blipFill>
         <p:spPr>
           <a:xfrm>
-            <a:off x="1733461" y="1790915"/>
+            <a:off x="951428" y="1790915"/>
             <a:ext cx="4323746" cy="3429477"/>
           </a:xfrm>
           <a:prstGeom prst="rect">
@@ -8048,7 +8053,7 @@
         </p:nvSpPr>
         <p:spPr>
           <a:xfrm>
-            <a:off x="3180234" y="5220392"/>
+            <a:off x="2398201" y="5220392"/>
             <a:ext cx="1430200" cy="400110"/>
           </a:xfrm>
           <a:prstGeom prst="rect">
@@ -8076,6 +8081,215 @@
                 <a:ea typeface="나눔스퀘어OTF Light" panose="020B0600000101010101" pitchFamily="34" charset="-127"/>
               </a:rPr>
               <a:t>모듈</a:t>
+            </a:r>
+            <a:endParaRPr lang="en-US" altLang="ko-KR" sz="2000">
+              <a:latin typeface="나눔스퀘어OTF Light" panose="020B0600000101010101" pitchFamily="34" charset="-127"/>
+              <a:ea typeface="나눔스퀘어OTF Light" panose="020B0600000101010101" pitchFamily="34" charset="-127"/>
+            </a:endParaRPr>
+          </a:p>
+        </p:txBody>
+      </p:sp>
+      <p:sp>
+        <p:nvSpPr>
+          <p:cNvPr id="7" name="TextBox 6">
+            <a:extLst>
+              <a:ext uri="{FF2B5EF4-FFF2-40B4-BE49-F238E27FC236}">
+                <a16:creationId xmlns:a16="http://schemas.microsoft.com/office/drawing/2014/main" id="{3C9DB61D-AA65-4A2A-9228-64E002A839C8}"/>
+              </a:ext>
+            </a:extLst>
+          </p:cNvPr>
+          <p:cNvSpPr txBox="1"/>
+          <p:nvPr/>
+        </p:nvSpPr>
+        <p:spPr>
+          <a:xfrm>
+            <a:off x="5852150" y="2074492"/>
+            <a:ext cx="5891677" cy="2862322"/>
+          </a:xfrm>
+          <a:prstGeom prst="rect">
+            <a:avLst/>
+          </a:prstGeom>
+          <a:noFill/>
+        </p:spPr>
+        <p:txBody>
+          <a:bodyPr wrap="none" rtlCol="0">
+            <a:spAutoFit/>
+          </a:bodyPr>
+          <a:lstStyle/>
+          <a:p>
+            <a:r>
+              <a:rPr lang="en-US" altLang="ko-KR" sz="2000">
+                <a:latin typeface="나눔스퀘어OTF Light" panose="020B0600000101010101" pitchFamily="34" charset="-127"/>
+                <a:ea typeface="나눔스퀘어OTF Light" panose="020B0600000101010101" pitchFamily="34" charset="-127"/>
+              </a:rPr>
+              <a:t>Shape : </a:t>
+            </a:r>
+            <a:r>
+              <a:rPr lang="ko-KR" altLang="en-US" sz="2000">
+                <a:latin typeface="나눔스퀘어OTF Light" panose="020B0600000101010101" pitchFamily="34" charset="-127"/>
+                <a:ea typeface="나눔스퀘어OTF Light" panose="020B0600000101010101" pitchFamily="34" charset="-127"/>
+              </a:rPr>
+              <a:t>방출되는 파티클의 모양</a:t>
+            </a:r>
+            <a:endParaRPr lang="en-US" altLang="ko-KR" sz="2000">
+              <a:latin typeface="나눔스퀘어OTF Light" panose="020B0600000101010101" pitchFamily="34" charset="-127"/>
+              <a:ea typeface="나눔스퀘어OTF Light" panose="020B0600000101010101" pitchFamily="34" charset="-127"/>
+            </a:endParaRPr>
+          </a:p>
+          <a:p>
+            <a:r>
+              <a:rPr lang="en-US" altLang="ko-KR" sz="2000">
+                <a:latin typeface="나눔스퀘어OTF Light" panose="020B0600000101010101" pitchFamily="34" charset="-127"/>
+                <a:ea typeface="나눔스퀘어OTF Light" panose="020B0600000101010101" pitchFamily="34" charset="-127"/>
+              </a:rPr>
+              <a:t>Texture : </a:t>
+            </a:r>
+            <a:r>
+              <a:rPr lang="ko-KR" altLang="en-US" sz="2000">
+                <a:latin typeface="나눔스퀘어OTF Light" panose="020B0600000101010101" pitchFamily="34" charset="-127"/>
+                <a:ea typeface="나눔스퀘어OTF Light" panose="020B0600000101010101" pitchFamily="34" charset="-127"/>
+              </a:rPr>
+              <a:t>파티클 틴트에 사용되는 텍스쳐</a:t>
+            </a:r>
+            <a:endParaRPr lang="en-US" altLang="ko-KR" sz="2000">
+              <a:latin typeface="나눔스퀘어OTF Light" panose="020B0600000101010101" pitchFamily="34" charset="-127"/>
+              <a:ea typeface="나눔스퀘어OTF Light" panose="020B0600000101010101" pitchFamily="34" charset="-127"/>
+            </a:endParaRPr>
+          </a:p>
+          <a:p>
+            <a:r>
+              <a:rPr lang="en-US" altLang="ko-KR" sz="2000">
+                <a:latin typeface="나눔스퀘어OTF Light" panose="020B0600000101010101" pitchFamily="34" charset="-127"/>
+                <a:ea typeface="나눔스퀘어OTF Light" panose="020B0600000101010101" pitchFamily="34" charset="-127"/>
+              </a:rPr>
+              <a:t>Position : </a:t>
+            </a:r>
+            <a:r>
+              <a:rPr lang="ko-KR" altLang="en-US" sz="2000">
+                <a:latin typeface="나눔스퀘어OTF Light" panose="020B0600000101010101" pitchFamily="34" charset="-127"/>
+                <a:ea typeface="나눔스퀘어OTF Light" panose="020B0600000101010101" pitchFamily="34" charset="-127"/>
+              </a:rPr>
+              <a:t>에미터의 위치</a:t>
+            </a:r>
+            <a:endParaRPr lang="en-US" altLang="ko-KR" sz="2000">
+              <a:latin typeface="나눔스퀘어OTF Light" panose="020B0600000101010101" pitchFamily="34" charset="-127"/>
+              <a:ea typeface="나눔스퀘어OTF Light" panose="020B0600000101010101" pitchFamily="34" charset="-127"/>
+            </a:endParaRPr>
+          </a:p>
+          <a:p>
+            <a:r>
+              <a:rPr lang="en-US" altLang="ko-KR" sz="2000">
+                <a:latin typeface="나눔스퀘어OTF Light" panose="020B0600000101010101" pitchFamily="34" charset="-127"/>
+                <a:ea typeface="나눔스퀘어OTF Light" panose="020B0600000101010101" pitchFamily="34" charset="-127"/>
+              </a:rPr>
+              <a:t>Rotation : </a:t>
+            </a:r>
+            <a:r>
+              <a:rPr lang="ko-KR" altLang="en-US" sz="2000">
+                <a:latin typeface="나눔스퀘어OTF Light" panose="020B0600000101010101" pitchFamily="34" charset="-127"/>
+                <a:ea typeface="나눔스퀘어OTF Light" panose="020B0600000101010101" pitchFamily="34" charset="-127"/>
+              </a:rPr>
+              <a:t>에미터의 각도</a:t>
+            </a:r>
+            <a:endParaRPr lang="en-US" altLang="ko-KR" sz="2000">
+              <a:latin typeface="나눔스퀘어OTF Light" panose="020B0600000101010101" pitchFamily="34" charset="-127"/>
+              <a:ea typeface="나눔스퀘어OTF Light" panose="020B0600000101010101" pitchFamily="34" charset="-127"/>
+            </a:endParaRPr>
+          </a:p>
+          <a:p>
+            <a:r>
+              <a:rPr lang="en-US" altLang="ko-KR" sz="2000">
+                <a:latin typeface="나눔스퀘어OTF Light" panose="020B0600000101010101" pitchFamily="34" charset="-127"/>
+                <a:ea typeface="나눔스퀘어OTF Light" panose="020B0600000101010101" pitchFamily="34" charset="-127"/>
+              </a:rPr>
+              <a:t>Scale : </a:t>
+            </a:r>
+            <a:r>
+              <a:rPr lang="ko-KR" altLang="en-US" sz="2000">
+                <a:latin typeface="나눔스퀘어OTF Light" panose="020B0600000101010101" pitchFamily="34" charset="-127"/>
+                <a:ea typeface="나눔스퀘어OTF Light" panose="020B0600000101010101" pitchFamily="34" charset="-127"/>
+              </a:rPr>
+              <a:t>에미터의 크기</a:t>
+            </a:r>
+            <a:endParaRPr lang="en-US" altLang="ko-KR" sz="2000">
+              <a:latin typeface="나눔스퀘어OTF Light" panose="020B0600000101010101" pitchFamily="34" charset="-127"/>
+              <a:ea typeface="나눔스퀘어OTF Light" panose="020B0600000101010101" pitchFamily="34" charset="-127"/>
+            </a:endParaRPr>
+          </a:p>
+          <a:p>
+            <a:r>
+              <a:rPr lang="en-US" altLang="ko-KR" sz="2000">
+                <a:latin typeface="나눔스퀘어OTF Light" panose="020B0600000101010101" pitchFamily="34" charset="-127"/>
+                <a:ea typeface="나눔스퀘어OTF Light" panose="020B0600000101010101" pitchFamily="34" charset="-127"/>
+              </a:rPr>
+              <a:t>Aligh To Direction : </a:t>
+            </a:r>
+            <a:r>
+              <a:rPr lang="ko-KR" altLang="en-US" sz="2000">
+                <a:latin typeface="나눔스퀘어OTF Light" panose="020B0600000101010101" pitchFamily="34" charset="-127"/>
+                <a:ea typeface="나눔스퀘어OTF Light" panose="020B0600000101010101" pitchFamily="34" charset="-127"/>
+              </a:rPr>
+              <a:t>이동 방향으로 파티클 방향을 지정</a:t>
+            </a:r>
+            <a:endParaRPr lang="en-US" altLang="ko-KR" sz="2000">
+              <a:latin typeface="나눔스퀘어OTF Light" panose="020B0600000101010101" pitchFamily="34" charset="-127"/>
+              <a:ea typeface="나눔스퀘어OTF Light" panose="020B0600000101010101" pitchFamily="34" charset="-127"/>
+            </a:endParaRPr>
+          </a:p>
+          <a:p>
+            <a:r>
+              <a:rPr lang="en-US" altLang="ko-KR" sz="2000">
+                <a:latin typeface="나눔스퀘어OTF Light" panose="020B0600000101010101" pitchFamily="34" charset="-127"/>
+                <a:ea typeface="나눔스퀘어OTF Light" panose="020B0600000101010101" pitchFamily="34" charset="-127"/>
+              </a:rPr>
+              <a:t>Randomize Direction : </a:t>
+            </a:r>
+            <a:r>
+              <a:rPr lang="ko-KR" altLang="en-US" sz="2000">
+                <a:latin typeface="나눔스퀘어OTF Light" panose="020B0600000101010101" pitchFamily="34" charset="-127"/>
+                <a:ea typeface="나눔스퀘어OTF Light" panose="020B0600000101010101" pitchFamily="34" charset="-127"/>
+              </a:rPr>
+              <a:t>파티클 방향을 무작위로</a:t>
+            </a:r>
+            <a:endParaRPr lang="en-US" altLang="ko-KR" sz="2000">
+              <a:latin typeface="나눔스퀘어OTF Light" panose="020B0600000101010101" pitchFamily="34" charset="-127"/>
+              <a:ea typeface="나눔스퀘어OTF Light" panose="020B0600000101010101" pitchFamily="34" charset="-127"/>
+            </a:endParaRPr>
+          </a:p>
+          <a:p>
+            <a:r>
+              <a:rPr lang="en-US" altLang="ko-KR" sz="2000">
+                <a:latin typeface="나눔스퀘어OTF Light" panose="020B0600000101010101" pitchFamily="34" charset="-127"/>
+                <a:ea typeface="나눔스퀘어OTF Light" panose="020B0600000101010101" pitchFamily="34" charset="-127"/>
+              </a:rPr>
+              <a:t>Spherize Direction : </a:t>
+            </a:r>
+            <a:r>
+              <a:rPr lang="ko-KR" altLang="en-US" sz="2000">
+                <a:latin typeface="나눔스퀘어OTF Light" panose="020B0600000101010101" pitchFamily="34" charset="-127"/>
+                <a:ea typeface="나눔스퀘어OTF Light" panose="020B0600000101010101" pitchFamily="34" charset="-127"/>
+              </a:rPr>
+              <a:t>파티클 방향이 구체가 되도록</a:t>
+            </a:r>
+            <a:endParaRPr lang="en-US" altLang="ko-KR" sz="2000">
+              <a:latin typeface="나눔스퀘어OTF Light" panose="020B0600000101010101" pitchFamily="34" charset="-127"/>
+              <a:ea typeface="나눔스퀘어OTF Light" panose="020B0600000101010101" pitchFamily="34" charset="-127"/>
+            </a:endParaRPr>
+          </a:p>
+          <a:p>
+            <a:r>
+              <a:rPr lang="en-US" altLang="ko-KR" sz="2000">
+                <a:latin typeface="나눔스퀘어OTF Light" panose="020B0600000101010101" pitchFamily="34" charset="-127"/>
+                <a:ea typeface="나눔스퀘어OTF Light" panose="020B0600000101010101" pitchFamily="34" charset="-127"/>
+              </a:rPr>
+              <a:t>Randomize Position : </a:t>
+            </a:r>
+            <a:r>
+              <a:rPr lang="ko-KR" altLang="en-US" sz="2000">
+                <a:latin typeface="나눔스퀘어OTF Light" panose="020B0600000101010101" pitchFamily="34" charset="-127"/>
+                <a:ea typeface="나눔스퀘어OTF Light" panose="020B0600000101010101" pitchFamily="34" charset="-127"/>
+              </a:rPr>
+              <a:t>무작위 양으로 이동</a:t>
             </a:r>
             <a:endParaRPr lang="en-US" altLang="ko-KR" sz="2000">
               <a:latin typeface="나눔스퀘어OTF Light" panose="020B0600000101010101" pitchFamily="34" charset="-127"/>
@@ -8216,7 +8430,7 @@
         </p:nvSpPr>
         <p:spPr>
           <a:xfrm>
-            <a:off x="2858662" y="5611389"/>
+            <a:off x="2334960" y="5611389"/>
             <a:ext cx="1771319" cy="400110"/>
           </a:xfrm>
           <a:prstGeom prst="rect">
@@ -8274,7 +8488,7 @@
         </p:blipFill>
         <p:spPr>
           <a:xfrm>
-            <a:off x="1696323" y="1762143"/>
+            <a:off x="1172621" y="1762143"/>
             <a:ext cx="4095993" cy="3849246"/>
           </a:xfrm>
           <a:prstGeom prst="rect">
@@ -8282,6 +8496,64 @@
           </a:prstGeom>
         </p:spPr>
       </p:pic>
+      <p:sp>
+        <p:nvSpPr>
+          <p:cNvPr id="7" name="TextBox 6">
+            <a:extLst>
+              <a:ext uri="{FF2B5EF4-FFF2-40B4-BE49-F238E27FC236}">
+                <a16:creationId xmlns:a16="http://schemas.microsoft.com/office/drawing/2014/main" id="{2A1D34CA-5AB9-40B7-9D63-4E958A2CEF5E}"/>
+              </a:ext>
+            </a:extLst>
+          </p:cNvPr>
+          <p:cNvSpPr txBox="1"/>
+          <p:nvPr/>
+        </p:nvSpPr>
+        <p:spPr>
+          <a:xfrm>
+            <a:off x="6251161" y="3075057"/>
+            <a:ext cx="4483920" cy="707886"/>
+          </a:xfrm>
+          <a:prstGeom prst="rect">
+            <a:avLst/>
+          </a:prstGeom>
+          <a:noFill/>
+        </p:spPr>
+        <p:txBody>
+          <a:bodyPr wrap="none" rtlCol="0">
+            <a:spAutoFit/>
+          </a:bodyPr>
+          <a:lstStyle/>
+          <a:p>
+            <a:r>
+              <a:rPr lang="ko-KR" altLang="en-US" sz="2000">
+                <a:latin typeface="나눔스퀘어OTF Light" panose="020B0600000101010101" pitchFamily="34" charset="-127"/>
+                <a:ea typeface="나눔스퀘어OTF Light" panose="020B0600000101010101" pitchFamily="34" charset="-127"/>
+              </a:rPr>
+              <a:t>가장 중요한 부분은 </a:t>
+            </a:r>
+            <a:r>
+              <a:rPr lang="en-US" altLang="ko-KR" sz="2000">
+                <a:latin typeface="나눔스퀘어OTF Light" panose="020B0600000101010101" pitchFamily="34" charset="-127"/>
+                <a:ea typeface="나눔스퀘어OTF Light" panose="020B0600000101010101" pitchFamily="34" charset="-127"/>
+              </a:rPr>
+              <a:t>Material</a:t>
+            </a:r>
+          </a:p>
+          <a:p>
+            <a:r>
+              <a:rPr lang="ko-KR" altLang="en-US" sz="2000">
+                <a:latin typeface="나눔스퀘어OTF Light" panose="020B0600000101010101" pitchFamily="34" charset="-127"/>
+                <a:ea typeface="나눔스퀘어OTF Light" panose="020B0600000101010101" pitchFamily="34" charset="-127"/>
+              </a:rPr>
+              <a:t>모두 다루기에는 너무 많기에 생략합니다</a:t>
+            </a:r>
+            <a:endParaRPr lang="en-US" altLang="ko-KR" sz="2000">
+              <a:latin typeface="나눔스퀘어OTF Light" panose="020B0600000101010101" pitchFamily="34" charset="-127"/>
+              <a:ea typeface="나눔스퀘어OTF Light" panose="020B0600000101010101" pitchFamily="34" charset="-127"/>
+            </a:endParaRPr>
+          </a:p>
+        </p:txBody>
+      </p:sp>
     </p:spTree>
     <p:extLst>
       <p:ext uri="{BB962C8B-B14F-4D97-AF65-F5344CB8AC3E}">
@@ -8327,7 +8599,7 @@
         <p:spPr>
           <a:xfrm>
             <a:off x="171888" y="194702"/>
-            <a:ext cx="4095993" cy="523220"/>
+            <a:ext cx="3025187" cy="523220"/>
           </a:xfrm>
           <a:prstGeom prst="rect">
             <a:avLst/>
@@ -8345,14 +8617,14 @@
                 <a:latin typeface="나눔스퀘어OTF Light" panose="020B0600000101010101" pitchFamily="34" charset="-127"/>
                 <a:ea typeface="나눔스퀘어OTF Light" panose="020B0600000101010101" pitchFamily="34" charset="-127"/>
               </a:rPr>
-              <a:t>3. </a:t>
+              <a:t>4. </a:t>
             </a:r>
             <a:r>
               <a:rPr lang="ko-KR" altLang="en-US" sz="2800">
                 <a:latin typeface="나눔스퀘어OTF Light" panose="020B0600000101010101" pitchFamily="34" charset="-127"/>
                 <a:ea typeface="나눔스퀘어OTF Light" panose="020B0600000101010101" pitchFamily="34" charset="-127"/>
               </a:rPr>
-              <a:t>파티클 시스템 컴포넌트</a:t>
+              <a:t>카툰 불꽃 파티클</a:t>
             </a:r>
           </a:p>
         </p:txBody>
@@ -8402,10 +8674,10 @@
       </p:cxnSp>
       <p:sp>
         <p:nvSpPr>
-          <p:cNvPr id="8" name="TextBox 7">
-            <a:extLst>
-              <a:ext uri="{FF2B5EF4-FFF2-40B4-BE49-F238E27FC236}">
-                <a16:creationId xmlns:a16="http://schemas.microsoft.com/office/drawing/2014/main" id="{B7EDFDF0-DBFF-4C2C-8638-03F2EEF128EF}"/>
+          <p:cNvPr id="10" name="TextBox 9">
+            <a:extLst>
+              <a:ext uri="{FF2B5EF4-FFF2-40B4-BE49-F238E27FC236}">
+                <a16:creationId xmlns:a16="http://schemas.microsoft.com/office/drawing/2014/main" id="{853AD4D0-F2C1-495B-BF08-C98CC48E97EE}"/>
               </a:ext>
             </a:extLst>
           </p:cNvPr>
@@ -8414,8 +8686,8 @@
         </p:nvSpPr>
         <p:spPr>
           <a:xfrm>
-            <a:off x="2858662" y="5611389"/>
-            <a:ext cx="1771319" cy="400110"/>
+            <a:off x="6517168" y="3562237"/>
+            <a:ext cx="2015295" cy="400110"/>
           </a:xfrm>
           <a:prstGeom prst="rect">
             <a:avLst/>
@@ -8428,20 +8700,12 @@
           </a:bodyPr>
           <a:lstStyle/>
           <a:p>
-            <a:pPr algn="ctr"/>
-            <a:r>
-              <a:rPr lang="en-US" altLang="ko-KR" sz="2000">
-                <a:latin typeface="나눔스퀘어OTF Light" panose="020B0600000101010101" pitchFamily="34" charset="-127"/>
-                <a:ea typeface="나눔스퀘어OTF Light" panose="020B0600000101010101" pitchFamily="34" charset="-127"/>
-              </a:rPr>
-              <a:t>Renderer </a:t>
-            </a:r>
             <a:r>
               <a:rPr lang="ko-KR" altLang="en-US" sz="2000">
                 <a:latin typeface="나눔스퀘어OTF Light" panose="020B0600000101010101" pitchFamily="34" charset="-127"/>
                 <a:ea typeface="나눔스퀘어OTF Light" panose="020B0600000101010101" pitchFamily="34" charset="-127"/>
               </a:rPr>
-              <a:t>모듈</a:t>
+              <a:t>카툰 불꽃 파티클</a:t>
             </a:r>
             <a:endParaRPr lang="en-US" altLang="ko-KR" sz="2000">
               <a:latin typeface="나눔스퀘어OTF Light" panose="020B0600000101010101" pitchFamily="34" charset="-127"/>
@@ -8452,10 +8716,10 @@
       </p:sp>
       <p:pic>
         <p:nvPicPr>
-          <p:cNvPr id="3" name="그림 2">
-            <a:extLst>
-              <a:ext uri="{FF2B5EF4-FFF2-40B4-BE49-F238E27FC236}">
-                <a16:creationId xmlns:a16="http://schemas.microsoft.com/office/drawing/2014/main" id="{2F6C6758-4164-4ECB-B84F-6125A5DAD64E}"/>
+          <p:cNvPr id="11" name="그림 10">
+            <a:extLst>
+              <a:ext uri="{FF2B5EF4-FFF2-40B4-BE49-F238E27FC236}">
+                <a16:creationId xmlns:a16="http://schemas.microsoft.com/office/drawing/2014/main" id="{249FA2B2-86A8-429D-A2B1-62F0CBAD4C4B}"/>
               </a:ext>
             </a:extLst>
           </p:cNvPr>
@@ -8472,8 +8736,8 @@
         </p:blipFill>
         <p:spPr>
           <a:xfrm>
-            <a:off x="1696323" y="1762143"/>
-            <a:ext cx="4095993" cy="3849246"/>
+            <a:off x="3692197" y="1546467"/>
+            <a:ext cx="2403803" cy="4424241"/>
           </a:xfrm>
           <a:prstGeom prst="rect">
             <a:avLst/>
@@ -8483,7 +8747,7 @@
     </p:spTree>
     <p:extLst>
       <p:ext uri="{BB962C8B-B14F-4D97-AF65-F5344CB8AC3E}">
-        <p14:creationId xmlns:p14="http://schemas.microsoft.com/office/powerpoint/2010/main" val="4107044142"/>
+        <p14:creationId xmlns:p14="http://schemas.microsoft.com/office/powerpoint/2010/main" val="1671940577"/>
       </p:ext>
     </p:extLst>
   </p:cSld>
@@ -8525,7 +8789,7 @@
         <p:spPr>
           <a:xfrm>
             <a:off x="171888" y="194702"/>
-            <a:ext cx="2371162" cy="523220"/>
+            <a:ext cx="3025187" cy="523220"/>
           </a:xfrm>
           <a:prstGeom prst="rect">
             <a:avLst/>
@@ -8550,7 +8814,7 @@
                 <a:latin typeface="나눔스퀘어OTF Light" panose="020B0600000101010101" pitchFamily="34" charset="-127"/>
                 <a:ea typeface="나눔스퀘어OTF Light" panose="020B0600000101010101" pitchFamily="34" charset="-127"/>
               </a:rPr>
-              <a:t>폭발 파티클</a:t>
+              <a:t>카툰 불꽃 파티클</a:t>
             </a:r>
           </a:p>
         </p:txBody>
@@ -8598,10 +8862,166 @@
           </a:fontRef>
         </p:style>
       </p:cxnSp>
+      <p:pic>
+        <p:nvPicPr>
+          <p:cNvPr id="5" name="그림 4">
+            <a:extLst>
+              <a:ext uri="{FF2B5EF4-FFF2-40B4-BE49-F238E27FC236}">
+                <a16:creationId xmlns:a16="http://schemas.microsoft.com/office/drawing/2014/main" id="{A737306F-DC92-40EE-9C85-B7187955BBCD}"/>
+              </a:ext>
+            </a:extLst>
+          </p:cNvPr>
+          <p:cNvPicPr>
+            <a:picLocks noChangeAspect="1"/>
+          </p:cNvPicPr>
+          <p:nvPr/>
+        </p:nvPicPr>
+        <p:blipFill>
+          <a:blip r:embed="rId2"/>
+          <a:stretch>
+            <a:fillRect/>
+          </a:stretch>
+        </p:blipFill>
+        <p:spPr>
+          <a:xfrm>
+            <a:off x="762783" y="1449346"/>
+            <a:ext cx="4868584" cy="3114339"/>
+          </a:xfrm>
+          <a:prstGeom prst="rect">
+            <a:avLst/>
+          </a:prstGeom>
+        </p:spPr>
+      </p:pic>
+      <p:pic>
+        <p:nvPicPr>
+          <p:cNvPr id="8" name="그림 7">
+            <a:extLst>
+              <a:ext uri="{FF2B5EF4-FFF2-40B4-BE49-F238E27FC236}">
+                <a16:creationId xmlns:a16="http://schemas.microsoft.com/office/drawing/2014/main" id="{95B46F81-1ACB-4A15-9051-E357097C4BB1}"/>
+              </a:ext>
+            </a:extLst>
+          </p:cNvPr>
+          <p:cNvPicPr>
+            <a:picLocks noChangeAspect="1"/>
+          </p:cNvPicPr>
+          <p:nvPr/>
+        </p:nvPicPr>
+        <p:blipFill>
+          <a:blip r:embed="rId3"/>
+          <a:stretch>
+            <a:fillRect/>
+          </a:stretch>
+        </p:blipFill>
+        <p:spPr>
+          <a:xfrm>
+            <a:off x="6278260" y="1449346"/>
+            <a:ext cx="5234874" cy="3114339"/>
+          </a:xfrm>
+          <a:prstGeom prst="rect">
+            <a:avLst/>
+          </a:prstGeom>
+        </p:spPr>
+      </p:pic>
+      <p:pic>
+        <p:nvPicPr>
+          <p:cNvPr id="10" name="그림 9">
+            <a:extLst>
+              <a:ext uri="{FF2B5EF4-FFF2-40B4-BE49-F238E27FC236}">
+                <a16:creationId xmlns:a16="http://schemas.microsoft.com/office/drawing/2014/main" id="{BD105D47-D887-48FD-9F92-0B16C31228DC}"/>
+              </a:ext>
+            </a:extLst>
+          </p:cNvPr>
+          <p:cNvPicPr>
+            <a:picLocks noChangeAspect="1"/>
+          </p:cNvPicPr>
+          <p:nvPr/>
+        </p:nvPicPr>
+        <p:blipFill>
+          <a:blip r:embed="rId4"/>
+          <a:stretch>
+            <a:fillRect/>
+          </a:stretch>
+        </p:blipFill>
+        <p:spPr>
+          <a:xfrm>
+            <a:off x="3419735" y="5047328"/>
+            <a:ext cx="4989729" cy="722651"/>
+          </a:xfrm>
+          <a:prstGeom prst="rect">
+            <a:avLst/>
+          </a:prstGeom>
+        </p:spPr>
+      </p:pic>
+      <p:sp>
+        <p:nvSpPr>
+          <p:cNvPr id="11" name="TextBox 10">
+            <a:extLst>
+              <a:ext uri="{FF2B5EF4-FFF2-40B4-BE49-F238E27FC236}">
+                <a16:creationId xmlns:a16="http://schemas.microsoft.com/office/drawing/2014/main" id="{7F2275AF-58A0-4F72-8C46-431AABEEFFE5}"/>
+              </a:ext>
+            </a:extLst>
+          </p:cNvPr>
+          <p:cNvSpPr txBox="1"/>
+          <p:nvPr/>
+        </p:nvSpPr>
+        <p:spPr>
+          <a:xfrm>
+            <a:off x="2707599" y="5935692"/>
+            <a:ext cx="6414000" cy="400110"/>
+          </a:xfrm>
+          <a:prstGeom prst="rect">
+            <a:avLst/>
+          </a:prstGeom>
+          <a:noFill/>
+        </p:spPr>
+        <p:txBody>
+          <a:bodyPr wrap="none" rtlCol="0">
+            <a:spAutoFit/>
+          </a:bodyPr>
+          <a:lstStyle/>
+          <a:p>
+            <a:r>
+              <a:rPr lang="en-US" altLang="ko-KR" sz="2000">
+                <a:latin typeface="나눔스퀘어OTF Light" panose="020B0600000101010101" pitchFamily="34" charset="-127"/>
+                <a:ea typeface="나눔스퀘어OTF Light" panose="020B0600000101010101" pitchFamily="34" charset="-127"/>
+              </a:rPr>
+              <a:t>Render Mode</a:t>
+            </a:r>
+            <a:r>
+              <a:rPr lang="ko-KR" altLang="en-US" sz="2000">
+                <a:latin typeface="나눔스퀘어OTF Light" panose="020B0600000101010101" pitchFamily="34" charset="-127"/>
+                <a:ea typeface="나눔스퀘어OTF Light" panose="020B0600000101010101" pitchFamily="34" charset="-127"/>
+              </a:rPr>
+              <a:t>를 </a:t>
+            </a:r>
+            <a:r>
+              <a:rPr lang="en-US" altLang="ko-KR" sz="2000">
+                <a:latin typeface="나눔스퀘어OTF Light" panose="020B0600000101010101" pitchFamily="34" charset="-127"/>
+                <a:ea typeface="나눔스퀘어OTF Light" panose="020B0600000101010101" pitchFamily="34" charset="-127"/>
+              </a:rPr>
+              <a:t>Mesh(Cube), Material</a:t>
+            </a:r>
+            <a:r>
+              <a:rPr lang="ko-KR" altLang="en-US" sz="2000">
+                <a:latin typeface="나눔스퀘어OTF Light" panose="020B0600000101010101" pitchFamily="34" charset="-127"/>
+                <a:ea typeface="나눔스퀘어OTF Light" panose="020B0600000101010101" pitchFamily="34" charset="-127"/>
+              </a:rPr>
+              <a:t>은 </a:t>
+            </a:r>
+            <a:r>
+              <a:rPr lang="en-US" altLang="ko-KR" sz="2000">
+                <a:latin typeface="나눔스퀘어OTF Light" panose="020B0600000101010101" pitchFamily="34" charset="-127"/>
+                <a:ea typeface="나눔스퀘어OTF Light" panose="020B0600000101010101" pitchFamily="34" charset="-127"/>
+              </a:rPr>
+              <a:t>Sprites-Default</a:t>
+            </a:r>
+          </a:p>
+        </p:txBody>
+      </p:sp>
     </p:spTree>
     <p:extLst>
       <p:ext uri="{BB962C8B-B14F-4D97-AF65-F5344CB8AC3E}">
-        <p14:creationId xmlns:p14="http://schemas.microsoft.com/office/powerpoint/2010/main" val="1671940577"/>
+        <p14:creationId xmlns:p14="http://schemas.microsoft.com/office/powerpoint/2010/main" val="2598246733"/>
       </p:ext>
     </p:extLst>
   </p:cSld>
@@ -8642,8 +9062,8 @@
         </p:nvSpPr>
         <p:spPr>
           <a:xfrm>
-            <a:off x="5770431" y="2629032"/>
-            <a:ext cx="651140" cy="707886"/>
+            <a:off x="171888" y="194702"/>
+            <a:ext cx="3025187" cy="523220"/>
           </a:xfrm>
           <a:prstGeom prst="rect">
             <a:avLst/>
@@ -8656,58 +9076,19 @@
           </a:bodyPr>
           <a:lstStyle/>
           <a:p>
-            <a:pPr algn="ctr"/>
-            <a:r>
-              <a:rPr lang="ko-KR" altLang="en-US" sz="4000">
-                <a:latin typeface="나눔스퀘어OTF Light" panose="020B0600000101010101" pitchFamily="34" charset="-127"/>
-                <a:ea typeface="나눔스퀘어OTF Light" panose="020B0600000101010101" pitchFamily="34" charset="-127"/>
-              </a:rPr>
-              <a:t>끝</a:t>
-            </a:r>
-          </a:p>
-        </p:txBody>
-      </p:sp>
-      <p:sp>
-        <p:nvSpPr>
-          <p:cNvPr id="3" name="TextBox 2">
-            <a:extLst>
-              <a:ext uri="{FF2B5EF4-FFF2-40B4-BE49-F238E27FC236}">
-                <a16:creationId xmlns:a16="http://schemas.microsoft.com/office/drawing/2014/main" id="{3D4DB731-0D09-4D43-B30D-F113660223A3}"/>
-              </a:ext>
-            </a:extLst>
-          </p:cNvPr>
-          <p:cNvSpPr txBox="1"/>
-          <p:nvPr/>
-        </p:nvSpPr>
-        <p:spPr>
-          <a:xfrm>
-            <a:off x="3595155" y="3336918"/>
-            <a:ext cx="1683474" cy="400110"/>
-          </a:xfrm>
-          <a:prstGeom prst="rect">
-            <a:avLst/>
-          </a:prstGeom>
-          <a:noFill/>
-        </p:spPr>
-        <p:txBody>
-          <a:bodyPr wrap="none" rtlCol="0">
-            <a:spAutoFit/>
-          </a:bodyPr>
-          <a:lstStyle/>
-          <a:p>
-            <a:r>
-              <a:rPr lang="en-US" altLang="ko-KR" sz="2000">
-                <a:latin typeface="나눔스퀘어OTF Light" panose="020B0600000101010101" pitchFamily="34" charset="-127"/>
-                <a:ea typeface="나눔스퀘어OTF Light" panose="020B0600000101010101" pitchFamily="34" charset="-127"/>
-              </a:rPr>
-              <a:t>2. </a:t>
-            </a:r>
-            <a:r>
-              <a:rPr lang="ko-KR" altLang="en-US" sz="2000">
-                <a:latin typeface="나눔스퀘어OTF Light" panose="020B0600000101010101" pitchFamily="34" charset="-127"/>
-                <a:ea typeface="나눔스퀘어OTF Light" panose="020B0600000101010101" pitchFamily="34" charset="-127"/>
-              </a:rPr>
-              <a:t>파티클 기초</a:t>
+            <a:r>
+              <a:rPr lang="en-US" altLang="ko-KR" sz="2800">
+                <a:latin typeface="나눔스퀘어OTF Light" panose="020B0600000101010101" pitchFamily="34" charset="-127"/>
+                <a:ea typeface="나눔스퀘어OTF Light" panose="020B0600000101010101" pitchFamily="34" charset="-127"/>
+              </a:rPr>
+              <a:t>4. </a:t>
+            </a:r>
+            <a:r>
+              <a:rPr lang="ko-KR" altLang="en-US" sz="2800">
+                <a:latin typeface="나눔스퀘어OTF Light" panose="020B0600000101010101" pitchFamily="34" charset="-127"/>
+                <a:ea typeface="나눔스퀘어OTF Light" panose="020B0600000101010101" pitchFamily="34" charset="-127"/>
+              </a:rPr>
+              <a:t>카툰 불꽃 파티클</a:t>
             </a:r>
           </a:p>
         </p:txBody>
@@ -8721,13 +9102,15 @@
               </a:ext>
             </a:extLst>
           </p:cNvPr>
-          <p:cNvCxnSpPr/>
+          <p:cNvCxnSpPr>
+            <a:cxnSpLocks/>
+          </p:cNvCxnSpPr>
           <p:nvPr/>
         </p:nvCxnSpPr>
         <p:spPr>
           <a:xfrm>
-            <a:off x="3642861" y="3328967"/>
-            <a:ext cx="4858247" cy="0"/>
+            <a:off x="132133" y="780690"/>
+            <a:ext cx="819295" cy="0"/>
           </a:xfrm>
           <a:prstGeom prst="line">
             <a:avLst/>
@@ -8753,10 +9136,372 @@
           </a:fontRef>
         </p:style>
       </p:cxnSp>
+      <p:pic>
+        <p:nvPicPr>
+          <p:cNvPr id="3" name="그림 2">
+            <a:extLst>
+              <a:ext uri="{FF2B5EF4-FFF2-40B4-BE49-F238E27FC236}">
+                <a16:creationId xmlns:a16="http://schemas.microsoft.com/office/drawing/2014/main" id="{C6AE6ECC-F3C0-4952-966C-9E220BDC94A3}"/>
+              </a:ext>
+            </a:extLst>
+          </p:cNvPr>
+          <p:cNvPicPr>
+            <a:picLocks noChangeAspect="1"/>
+          </p:cNvPicPr>
+          <p:nvPr/>
+        </p:nvPicPr>
+        <p:blipFill>
+          <a:blip r:embed="rId2"/>
+          <a:stretch>
+            <a:fillRect/>
+          </a:stretch>
+        </p:blipFill>
+        <p:spPr>
+          <a:xfrm>
+            <a:off x="3663544" y="4862586"/>
+            <a:ext cx="4864911" cy="923432"/>
+          </a:xfrm>
+          <a:prstGeom prst="rect">
+            <a:avLst/>
+          </a:prstGeom>
+        </p:spPr>
+      </p:pic>
+      <p:pic>
+        <p:nvPicPr>
+          <p:cNvPr id="9" name="그림 8">
+            <a:extLst>
+              <a:ext uri="{FF2B5EF4-FFF2-40B4-BE49-F238E27FC236}">
+                <a16:creationId xmlns:a16="http://schemas.microsoft.com/office/drawing/2014/main" id="{974809CE-49BD-4296-BDA7-4BD312FB6AAB}"/>
+              </a:ext>
+            </a:extLst>
+          </p:cNvPr>
+          <p:cNvPicPr>
+            <a:picLocks noChangeAspect="1"/>
+          </p:cNvPicPr>
+          <p:nvPr/>
+        </p:nvPicPr>
+        <p:blipFill>
+          <a:blip r:embed="rId3"/>
+          <a:stretch>
+            <a:fillRect/>
+          </a:stretch>
+        </p:blipFill>
+        <p:spPr>
+          <a:xfrm>
+            <a:off x="2802649" y="942629"/>
+            <a:ext cx="6586702" cy="3737438"/>
+          </a:xfrm>
+          <a:prstGeom prst="rect">
+            <a:avLst/>
+          </a:prstGeom>
+        </p:spPr>
+      </p:pic>
+      <p:sp>
+        <p:nvSpPr>
+          <p:cNvPr id="12" name="TextBox 11">
+            <a:extLst>
+              <a:ext uri="{FF2B5EF4-FFF2-40B4-BE49-F238E27FC236}">
+                <a16:creationId xmlns:a16="http://schemas.microsoft.com/office/drawing/2014/main" id="{412E310F-624F-4D24-9080-00F225FD482E}"/>
+              </a:ext>
+            </a:extLst>
+          </p:cNvPr>
+          <p:cNvSpPr txBox="1"/>
+          <p:nvPr/>
+        </p:nvSpPr>
+        <p:spPr>
+          <a:xfrm>
+            <a:off x="1157307" y="5968537"/>
+            <a:ext cx="9877384" cy="400110"/>
+          </a:xfrm>
+          <a:prstGeom prst="rect">
+            <a:avLst/>
+          </a:prstGeom>
+          <a:noFill/>
+        </p:spPr>
+        <p:txBody>
+          <a:bodyPr wrap="none" rtlCol="0">
+            <a:spAutoFit/>
+          </a:bodyPr>
+          <a:lstStyle/>
+          <a:p>
+            <a:pPr algn="ctr"/>
+            <a:r>
+              <a:rPr lang="en-US" altLang="ko-KR" sz="2000">
+                <a:latin typeface="나눔스퀘어OTF Light" panose="020B0600000101010101" pitchFamily="34" charset="-127"/>
+                <a:ea typeface="나눔스퀘어OTF Light" panose="020B0600000101010101" pitchFamily="34" charset="-127"/>
+              </a:rPr>
+              <a:t>Shape</a:t>
+            </a:r>
+            <a:r>
+              <a:rPr lang="ko-KR" altLang="en-US" sz="2000">
+                <a:latin typeface="나눔스퀘어OTF Light" panose="020B0600000101010101" pitchFamily="34" charset="-127"/>
+                <a:ea typeface="나눔스퀘어OTF Light" panose="020B0600000101010101" pitchFamily="34" charset="-127"/>
+              </a:rPr>
+              <a:t>를 </a:t>
+            </a:r>
+            <a:r>
+              <a:rPr lang="en-US" altLang="ko-KR" sz="2000">
+                <a:latin typeface="나눔스퀘어OTF Light" panose="020B0600000101010101" pitchFamily="34" charset="-127"/>
+                <a:ea typeface="나눔스퀘어OTF Light" panose="020B0600000101010101" pitchFamily="34" charset="-127"/>
+              </a:rPr>
+              <a:t>Sphere</a:t>
+            </a:r>
+            <a:r>
+              <a:rPr lang="ko-KR" altLang="en-US" sz="2000">
+                <a:latin typeface="나눔스퀘어OTF Light" panose="020B0600000101010101" pitchFamily="34" charset="-127"/>
+                <a:ea typeface="나눔스퀘어OTF Light" panose="020B0600000101010101" pitchFamily="34" charset="-127"/>
+              </a:rPr>
+              <a:t>로 설정합니다</a:t>
+            </a:r>
+            <a:r>
+              <a:rPr lang="en-US" altLang="ko-KR" sz="2000">
+                <a:latin typeface="나눔스퀘어OTF Light" panose="020B0600000101010101" pitchFamily="34" charset="-127"/>
+                <a:ea typeface="나눔스퀘어OTF Light" panose="020B0600000101010101" pitchFamily="34" charset="-127"/>
+              </a:rPr>
+              <a:t>. Sphere</a:t>
+            </a:r>
+            <a:r>
+              <a:rPr lang="ko-KR" altLang="en-US" sz="2000">
+                <a:latin typeface="나눔스퀘어OTF Light" panose="020B0600000101010101" pitchFamily="34" charset="-127"/>
+                <a:ea typeface="나눔스퀘어OTF Light" panose="020B0600000101010101" pitchFamily="34" charset="-127"/>
+              </a:rPr>
+              <a:t>로 방사한 후 위로 향하게 하는 것이 자연스럽습니다</a:t>
+            </a:r>
+            <a:r>
+              <a:rPr lang="en-US" altLang="ko-KR" sz="2000">
+                <a:latin typeface="나눔스퀘어OTF Light" panose="020B0600000101010101" pitchFamily="34" charset="-127"/>
+                <a:ea typeface="나눔스퀘어OTF Light" panose="020B0600000101010101" pitchFamily="34" charset="-127"/>
+              </a:rPr>
+              <a:t>.</a:t>
+            </a:r>
+          </a:p>
+        </p:txBody>
+      </p:sp>
     </p:spTree>
     <p:extLst>
       <p:ext uri="{BB962C8B-B14F-4D97-AF65-F5344CB8AC3E}">
-        <p14:creationId xmlns:p14="http://schemas.microsoft.com/office/powerpoint/2010/main" val="1544407394"/>
+        <p14:creationId xmlns:p14="http://schemas.microsoft.com/office/powerpoint/2010/main" val="1050884342"/>
+      </p:ext>
+    </p:extLst>
+  </p:cSld>
+  <p:clrMapOvr>
+    <a:masterClrMapping/>
+  </p:clrMapOvr>
+</p:sld>
+</file>
+
+<file path=ppt/slides/slide29.xml><?xml version="1.0" encoding="utf-8"?>
+<p:sld xmlns:a="http://schemas.openxmlformats.org/drawingml/2006/main" xmlns:r="http://schemas.openxmlformats.org/officeDocument/2006/relationships" xmlns:p="http://schemas.openxmlformats.org/presentationml/2006/main">
+  <p:cSld>
+    <p:spTree>
+      <p:nvGrpSpPr>
+        <p:cNvPr id="1" name=""/>
+        <p:cNvGrpSpPr/>
+        <p:nvPr/>
+      </p:nvGrpSpPr>
+      <p:grpSpPr>
+        <a:xfrm>
+          <a:off x="0" y="0"/>
+          <a:ext cx="0" cy="0"/>
+          <a:chOff x="0" y="0"/>
+          <a:chExt cx="0" cy="0"/>
+        </a:xfrm>
+      </p:grpSpPr>
+      <p:sp>
+        <p:nvSpPr>
+          <p:cNvPr id="6" name="TextBox 5">
+            <a:extLst>
+              <a:ext uri="{FF2B5EF4-FFF2-40B4-BE49-F238E27FC236}">
+                <a16:creationId xmlns:a16="http://schemas.microsoft.com/office/drawing/2014/main" id="{F453C929-8CA3-4E79-AF5D-99EC8407C6CF}"/>
+              </a:ext>
+            </a:extLst>
+          </p:cNvPr>
+          <p:cNvSpPr txBox="1"/>
+          <p:nvPr/>
+        </p:nvSpPr>
+        <p:spPr>
+          <a:xfrm>
+            <a:off x="171888" y="194702"/>
+            <a:ext cx="3025187" cy="523220"/>
+          </a:xfrm>
+          <a:prstGeom prst="rect">
+            <a:avLst/>
+          </a:prstGeom>
+          <a:noFill/>
+        </p:spPr>
+        <p:txBody>
+          <a:bodyPr wrap="none" rtlCol="0">
+            <a:spAutoFit/>
+          </a:bodyPr>
+          <a:lstStyle/>
+          <a:p>
+            <a:r>
+              <a:rPr lang="en-US" altLang="ko-KR" sz="2800">
+                <a:latin typeface="나눔스퀘어OTF Light" panose="020B0600000101010101" pitchFamily="34" charset="-127"/>
+                <a:ea typeface="나눔스퀘어OTF Light" panose="020B0600000101010101" pitchFamily="34" charset="-127"/>
+              </a:rPr>
+              <a:t>4. </a:t>
+            </a:r>
+            <a:r>
+              <a:rPr lang="ko-KR" altLang="en-US" sz="2800">
+                <a:latin typeface="나눔스퀘어OTF Light" panose="020B0600000101010101" pitchFamily="34" charset="-127"/>
+                <a:ea typeface="나눔스퀘어OTF Light" panose="020B0600000101010101" pitchFamily="34" charset="-127"/>
+              </a:rPr>
+              <a:t>카툰 불꽃 파티클</a:t>
+            </a:r>
+          </a:p>
+        </p:txBody>
+      </p:sp>
+      <p:cxnSp>
+        <p:nvCxnSpPr>
+          <p:cNvPr id="4" name="직선 연결선 3">
+            <a:extLst>
+              <a:ext uri="{FF2B5EF4-FFF2-40B4-BE49-F238E27FC236}">
+                <a16:creationId xmlns:a16="http://schemas.microsoft.com/office/drawing/2014/main" id="{7442459B-3DED-44F0-9E4C-B50601FEB425}"/>
+              </a:ext>
+            </a:extLst>
+          </p:cNvPr>
+          <p:cNvCxnSpPr>
+            <a:cxnSpLocks/>
+          </p:cNvCxnSpPr>
+          <p:nvPr/>
+        </p:nvCxnSpPr>
+        <p:spPr>
+          <a:xfrm>
+            <a:off x="132133" y="780690"/>
+            <a:ext cx="819295" cy="0"/>
+          </a:xfrm>
+          <a:prstGeom prst="line">
+            <a:avLst/>
+          </a:prstGeom>
+          <a:ln>
+            <a:solidFill>
+              <a:schemeClr val="tx1"/>
+            </a:solidFill>
+          </a:ln>
+        </p:spPr>
+        <p:style>
+          <a:lnRef idx="1">
+            <a:schemeClr val="accent1"/>
+          </a:lnRef>
+          <a:fillRef idx="0">
+            <a:schemeClr val="accent1"/>
+          </a:fillRef>
+          <a:effectRef idx="0">
+            <a:schemeClr val="accent1"/>
+          </a:effectRef>
+          <a:fontRef idx="minor">
+            <a:schemeClr val="tx1"/>
+          </a:fontRef>
+        </p:style>
+      </p:cxnSp>
+      <p:pic>
+        <p:nvPicPr>
+          <p:cNvPr id="5" name="그림 4">
+            <a:extLst>
+              <a:ext uri="{FF2B5EF4-FFF2-40B4-BE49-F238E27FC236}">
+                <a16:creationId xmlns:a16="http://schemas.microsoft.com/office/drawing/2014/main" id="{10EBF5BC-54BE-43DD-A9FF-1A31B2F52249}"/>
+              </a:ext>
+            </a:extLst>
+          </p:cNvPr>
+          <p:cNvPicPr>
+            <a:picLocks noChangeAspect="1"/>
+          </p:cNvPicPr>
+          <p:nvPr/>
+        </p:nvPicPr>
+        <p:blipFill>
+          <a:blip r:embed="rId2"/>
+          <a:stretch>
+            <a:fillRect/>
+          </a:stretch>
+        </p:blipFill>
+        <p:spPr>
+          <a:xfrm>
+            <a:off x="2491991" y="1462869"/>
+            <a:ext cx="2187130" cy="3932261"/>
+          </a:xfrm>
+          <a:prstGeom prst="rect">
+            <a:avLst/>
+          </a:prstGeom>
+        </p:spPr>
+      </p:pic>
+      <p:pic>
+        <p:nvPicPr>
+          <p:cNvPr id="8" name="그림 7">
+            <a:extLst>
+              <a:ext uri="{FF2B5EF4-FFF2-40B4-BE49-F238E27FC236}">
+                <a16:creationId xmlns:a16="http://schemas.microsoft.com/office/drawing/2014/main" id="{E084079F-8695-414C-A4DB-514C0A928290}"/>
+              </a:ext>
+            </a:extLst>
+          </p:cNvPr>
+          <p:cNvPicPr>
+            <a:picLocks noChangeAspect="1"/>
+          </p:cNvPicPr>
+          <p:nvPr/>
+        </p:nvPicPr>
+        <p:blipFill>
+          <a:blip r:embed="rId3"/>
+          <a:stretch>
+            <a:fillRect/>
+          </a:stretch>
+        </p:blipFill>
+        <p:spPr>
+          <a:xfrm>
+            <a:off x="5661168" y="1615656"/>
+            <a:ext cx="4128674" cy="3712972"/>
+          </a:xfrm>
+          <a:prstGeom prst="rect">
+            <a:avLst/>
+          </a:prstGeom>
+        </p:spPr>
+      </p:pic>
+      <p:sp>
+        <p:nvSpPr>
+          <p:cNvPr id="11" name="TextBox 10">
+            <a:extLst>
+              <a:ext uri="{FF2B5EF4-FFF2-40B4-BE49-F238E27FC236}">
+                <a16:creationId xmlns:a16="http://schemas.microsoft.com/office/drawing/2014/main" id="{53A82495-9431-4CB7-A532-05C8825CF512}"/>
+              </a:ext>
+            </a:extLst>
+          </p:cNvPr>
+          <p:cNvSpPr txBox="1"/>
+          <p:nvPr/>
+        </p:nvSpPr>
+        <p:spPr>
+          <a:xfrm>
+            <a:off x="3563095" y="5868784"/>
+            <a:ext cx="5065810" cy="400110"/>
+          </a:xfrm>
+          <a:prstGeom prst="rect">
+            <a:avLst/>
+          </a:prstGeom>
+          <a:noFill/>
+        </p:spPr>
+        <p:txBody>
+          <a:bodyPr wrap="none" rtlCol="0">
+            <a:spAutoFit/>
+          </a:bodyPr>
+          <a:lstStyle/>
+          <a:p>
+            <a:pPr algn="ctr"/>
+            <a:r>
+              <a:rPr lang="ko-KR" altLang="en-US" sz="2000">
+                <a:latin typeface="나눔스퀘어OTF Light" panose="020B0600000101010101" pitchFamily="34" charset="-127"/>
+                <a:ea typeface="나눔스퀘어OTF Light" panose="020B0600000101010101" pitchFamily="34" charset="-127"/>
+              </a:rPr>
+              <a:t>속도를 줄인 후 중력을 역방향으로 설정합니다</a:t>
+            </a:r>
+            <a:endParaRPr lang="en-US" altLang="ko-KR" sz="2000">
+              <a:latin typeface="나눔스퀘어OTF Light" panose="020B0600000101010101" pitchFamily="34" charset="-127"/>
+              <a:ea typeface="나눔스퀘어OTF Light" panose="020B0600000101010101" pitchFamily="34" charset="-127"/>
+            </a:endParaRPr>
+          </a:p>
+        </p:txBody>
+      </p:sp>
+    </p:spTree>
+    <p:extLst>
+      <p:ext uri="{BB962C8B-B14F-4D97-AF65-F5344CB8AC3E}">
+        <p14:creationId xmlns:p14="http://schemas.microsoft.com/office/powerpoint/2010/main" val="1012676437"/>
       </p:ext>
     </p:extLst>
   </p:cSld>
@@ -9012,6 +9757,794 @@
     <p:extLst>
       <p:ext uri="{BB962C8B-B14F-4D97-AF65-F5344CB8AC3E}">
         <p14:creationId xmlns:p14="http://schemas.microsoft.com/office/powerpoint/2010/main" val="211111966"/>
+      </p:ext>
+    </p:extLst>
+  </p:cSld>
+  <p:clrMapOvr>
+    <a:masterClrMapping/>
+  </p:clrMapOvr>
+</p:sld>
+</file>
+
+<file path=ppt/slides/slide30.xml><?xml version="1.0" encoding="utf-8"?>
+<p:sld xmlns:a="http://schemas.openxmlformats.org/drawingml/2006/main" xmlns:r="http://schemas.openxmlformats.org/officeDocument/2006/relationships" xmlns:p="http://schemas.openxmlformats.org/presentationml/2006/main">
+  <p:cSld>
+    <p:spTree>
+      <p:nvGrpSpPr>
+        <p:cNvPr id="1" name=""/>
+        <p:cNvGrpSpPr/>
+        <p:nvPr/>
+      </p:nvGrpSpPr>
+      <p:grpSpPr>
+        <a:xfrm>
+          <a:off x="0" y="0"/>
+          <a:ext cx="0" cy="0"/>
+          <a:chOff x="0" y="0"/>
+          <a:chExt cx="0" cy="0"/>
+        </a:xfrm>
+      </p:grpSpPr>
+      <p:sp>
+        <p:nvSpPr>
+          <p:cNvPr id="6" name="TextBox 5">
+            <a:extLst>
+              <a:ext uri="{FF2B5EF4-FFF2-40B4-BE49-F238E27FC236}">
+                <a16:creationId xmlns:a16="http://schemas.microsoft.com/office/drawing/2014/main" id="{F453C929-8CA3-4E79-AF5D-99EC8407C6CF}"/>
+              </a:ext>
+            </a:extLst>
+          </p:cNvPr>
+          <p:cNvSpPr txBox="1"/>
+          <p:nvPr/>
+        </p:nvSpPr>
+        <p:spPr>
+          <a:xfrm>
+            <a:off x="171888" y="194702"/>
+            <a:ext cx="3025187" cy="523220"/>
+          </a:xfrm>
+          <a:prstGeom prst="rect">
+            <a:avLst/>
+          </a:prstGeom>
+          <a:noFill/>
+        </p:spPr>
+        <p:txBody>
+          <a:bodyPr wrap="none" rtlCol="0">
+            <a:spAutoFit/>
+          </a:bodyPr>
+          <a:lstStyle/>
+          <a:p>
+            <a:r>
+              <a:rPr lang="en-US" altLang="ko-KR" sz="2800">
+                <a:latin typeface="나눔스퀘어OTF Light" panose="020B0600000101010101" pitchFamily="34" charset="-127"/>
+                <a:ea typeface="나눔스퀘어OTF Light" panose="020B0600000101010101" pitchFamily="34" charset="-127"/>
+              </a:rPr>
+              <a:t>4. </a:t>
+            </a:r>
+            <a:r>
+              <a:rPr lang="ko-KR" altLang="en-US" sz="2800">
+                <a:latin typeface="나눔스퀘어OTF Light" panose="020B0600000101010101" pitchFamily="34" charset="-127"/>
+                <a:ea typeface="나눔스퀘어OTF Light" panose="020B0600000101010101" pitchFamily="34" charset="-127"/>
+              </a:rPr>
+              <a:t>카툰 불꽃 파티클</a:t>
+            </a:r>
+          </a:p>
+        </p:txBody>
+      </p:sp>
+      <p:cxnSp>
+        <p:nvCxnSpPr>
+          <p:cNvPr id="4" name="직선 연결선 3">
+            <a:extLst>
+              <a:ext uri="{FF2B5EF4-FFF2-40B4-BE49-F238E27FC236}">
+                <a16:creationId xmlns:a16="http://schemas.microsoft.com/office/drawing/2014/main" id="{7442459B-3DED-44F0-9E4C-B50601FEB425}"/>
+              </a:ext>
+            </a:extLst>
+          </p:cNvPr>
+          <p:cNvCxnSpPr>
+            <a:cxnSpLocks/>
+          </p:cNvCxnSpPr>
+          <p:nvPr/>
+        </p:nvCxnSpPr>
+        <p:spPr>
+          <a:xfrm>
+            <a:off x="132133" y="780690"/>
+            <a:ext cx="819295" cy="0"/>
+          </a:xfrm>
+          <a:prstGeom prst="line">
+            <a:avLst/>
+          </a:prstGeom>
+          <a:ln>
+            <a:solidFill>
+              <a:schemeClr val="tx1"/>
+            </a:solidFill>
+          </a:ln>
+        </p:spPr>
+        <p:style>
+          <a:lnRef idx="1">
+            <a:schemeClr val="accent1"/>
+          </a:lnRef>
+          <a:fillRef idx="0">
+            <a:schemeClr val="accent1"/>
+          </a:fillRef>
+          <a:effectRef idx="0">
+            <a:schemeClr val="accent1"/>
+          </a:effectRef>
+          <a:fontRef idx="minor">
+            <a:schemeClr val="tx1"/>
+          </a:fontRef>
+        </p:style>
+      </p:cxnSp>
+      <p:sp>
+        <p:nvSpPr>
+          <p:cNvPr id="11" name="TextBox 10">
+            <a:extLst>
+              <a:ext uri="{FF2B5EF4-FFF2-40B4-BE49-F238E27FC236}">
+                <a16:creationId xmlns:a16="http://schemas.microsoft.com/office/drawing/2014/main" id="{53A82495-9431-4CB7-A532-05C8825CF512}"/>
+              </a:ext>
+            </a:extLst>
+          </p:cNvPr>
+          <p:cNvSpPr txBox="1"/>
+          <p:nvPr/>
+        </p:nvSpPr>
+        <p:spPr>
+          <a:xfrm>
+            <a:off x="3704972" y="5868784"/>
+            <a:ext cx="4782078" cy="400110"/>
+          </a:xfrm>
+          <a:prstGeom prst="rect">
+            <a:avLst/>
+          </a:prstGeom>
+          <a:noFill/>
+        </p:spPr>
+        <p:txBody>
+          <a:bodyPr wrap="none" rtlCol="0">
+            <a:spAutoFit/>
+          </a:bodyPr>
+          <a:lstStyle/>
+          <a:p>
+            <a:pPr algn="ctr"/>
+            <a:r>
+              <a:rPr lang="ko-KR" altLang="en-US" sz="2000">
+                <a:latin typeface="나눔스퀘어OTF Light" panose="020B0600000101010101" pitchFamily="34" charset="-127"/>
+                <a:ea typeface="나눔스퀘어OTF Light" panose="020B0600000101010101" pitchFamily="34" charset="-127"/>
+              </a:rPr>
+              <a:t>시간 경과에 따라 크기와 각도를 변경합니다</a:t>
+            </a:r>
+            <a:endParaRPr lang="en-US" altLang="ko-KR" sz="2000">
+              <a:latin typeface="나눔스퀘어OTF Light" panose="020B0600000101010101" pitchFamily="34" charset="-127"/>
+              <a:ea typeface="나눔스퀘어OTF Light" panose="020B0600000101010101" pitchFamily="34" charset="-127"/>
+            </a:endParaRPr>
+          </a:p>
+        </p:txBody>
+      </p:sp>
+      <p:pic>
+        <p:nvPicPr>
+          <p:cNvPr id="12" name="그림 11">
+            <a:extLst>
+              <a:ext uri="{FF2B5EF4-FFF2-40B4-BE49-F238E27FC236}">
+                <a16:creationId xmlns:a16="http://schemas.microsoft.com/office/drawing/2014/main" id="{0B2A7D53-3B77-490D-A870-809D9EF2D6A9}"/>
+              </a:ext>
+            </a:extLst>
+          </p:cNvPr>
+          <p:cNvPicPr>
+            <a:picLocks noChangeAspect="1"/>
+          </p:cNvPicPr>
+          <p:nvPr/>
+        </p:nvPicPr>
+        <p:blipFill>
+          <a:blip r:embed="rId2"/>
+          <a:stretch>
+            <a:fillRect/>
+          </a:stretch>
+        </p:blipFill>
+        <p:spPr>
+          <a:xfrm>
+            <a:off x="3002850" y="1442347"/>
+            <a:ext cx="1768655" cy="3973304"/>
+          </a:xfrm>
+          <a:prstGeom prst="rect">
+            <a:avLst/>
+          </a:prstGeom>
+        </p:spPr>
+      </p:pic>
+      <p:pic>
+        <p:nvPicPr>
+          <p:cNvPr id="14" name="그림 13">
+            <a:extLst>
+              <a:ext uri="{FF2B5EF4-FFF2-40B4-BE49-F238E27FC236}">
+                <a16:creationId xmlns:a16="http://schemas.microsoft.com/office/drawing/2014/main" id="{BBD03A70-00CF-404D-98DF-68BC4D9B5BBB}"/>
+              </a:ext>
+            </a:extLst>
+          </p:cNvPr>
+          <p:cNvPicPr>
+            <a:picLocks noChangeAspect="1"/>
+          </p:cNvPicPr>
+          <p:nvPr/>
+        </p:nvPicPr>
+        <p:blipFill>
+          <a:blip r:embed="rId3"/>
+          <a:stretch>
+            <a:fillRect/>
+          </a:stretch>
+        </p:blipFill>
+        <p:spPr>
+          <a:xfrm>
+            <a:off x="5422622" y="2522882"/>
+            <a:ext cx="4500383" cy="1812235"/>
+          </a:xfrm>
+          <a:prstGeom prst="rect">
+            <a:avLst/>
+          </a:prstGeom>
+        </p:spPr>
+      </p:pic>
+    </p:spTree>
+    <p:extLst>
+      <p:ext uri="{BB962C8B-B14F-4D97-AF65-F5344CB8AC3E}">
+        <p14:creationId xmlns:p14="http://schemas.microsoft.com/office/powerpoint/2010/main" val="3296425131"/>
+      </p:ext>
+    </p:extLst>
+  </p:cSld>
+  <p:clrMapOvr>
+    <a:masterClrMapping/>
+  </p:clrMapOvr>
+</p:sld>
+</file>
+
+<file path=ppt/slides/slide31.xml><?xml version="1.0" encoding="utf-8"?>
+<p:sld xmlns:a="http://schemas.openxmlformats.org/drawingml/2006/main" xmlns:r="http://schemas.openxmlformats.org/officeDocument/2006/relationships" xmlns:p="http://schemas.openxmlformats.org/presentationml/2006/main">
+  <p:cSld>
+    <p:spTree>
+      <p:nvGrpSpPr>
+        <p:cNvPr id="1" name=""/>
+        <p:cNvGrpSpPr/>
+        <p:nvPr/>
+      </p:nvGrpSpPr>
+      <p:grpSpPr>
+        <a:xfrm>
+          <a:off x="0" y="0"/>
+          <a:ext cx="0" cy="0"/>
+          <a:chOff x="0" y="0"/>
+          <a:chExt cx="0" cy="0"/>
+        </a:xfrm>
+      </p:grpSpPr>
+      <p:sp>
+        <p:nvSpPr>
+          <p:cNvPr id="6" name="TextBox 5">
+            <a:extLst>
+              <a:ext uri="{FF2B5EF4-FFF2-40B4-BE49-F238E27FC236}">
+                <a16:creationId xmlns:a16="http://schemas.microsoft.com/office/drawing/2014/main" id="{F453C929-8CA3-4E79-AF5D-99EC8407C6CF}"/>
+              </a:ext>
+            </a:extLst>
+          </p:cNvPr>
+          <p:cNvSpPr txBox="1"/>
+          <p:nvPr/>
+        </p:nvSpPr>
+        <p:spPr>
+          <a:xfrm>
+            <a:off x="171888" y="194702"/>
+            <a:ext cx="3025187" cy="523220"/>
+          </a:xfrm>
+          <a:prstGeom prst="rect">
+            <a:avLst/>
+          </a:prstGeom>
+          <a:noFill/>
+        </p:spPr>
+        <p:txBody>
+          <a:bodyPr wrap="none" rtlCol="0">
+            <a:spAutoFit/>
+          </a:bodyPr>
+          <a:lstStyle/>
+          <a:p>
+            <a:r>
+              <a:rPr lang="en-US" altLang="ko-KR" sz="2800">
+                <a:latin typeface="나눔스퀘어OTF Light" panose="020B0600000101010101" pitchFamily="34" charset="-127"/>
+                <a:ea typeface="나눔스퀘어OTF Light" panose="020B0600000101010101" pitchFamily="34" charset="-127"/>
+              </a:rPr>
+              <a:t>4. </a:t>
+            </a:r>
+            <a:r>
+              <a:rPr lang="ko-KR" altLang="en-US" sz="2800">
+                <a:latin typeface="나눔스퀘어OTF Light" panose="020B0600000101010101" pitchFamily="34" charset="-127"/>
+                <a:ea typeface="나눔스퀘어OTF Light" panose="020B0600000101010101" pitchFamily="34" charset="-127"/>
+              </a:rPr>
+              <a:t>카툰 불꽃 파티클</a:t>
+            </a:r>
+          </a:p>
+        </p:txBody>
+      </p:sp>
+      <p:cxnSp>
+        <p:nvCxnSpPr>
+          <p:cNvPr id="4" name="직선 연결선 3">
+            <a:extLst>
+              <a:ext uri="{FF2B5EF4-FFF2-40B4-BE49-F238E27FC236}">
+                <a16:creationId xmlns:a16="http://schemas.microsoft.com/office/drawing/2014/main" id="{7442459B-3DED-44F0-9E4C-B50601FEB425}"/>
+              </a:ext>
+            </a:extLst>
+          </p:cNvPr>
+          <p:cNvCxnSpPr>
+            <a:cxnSpLocks/>
+          </p:cNvCxnSpPr>
+          <p:nvPr/>
+        </p:nvCxnSpPr>
+        <p:spPr>
+          <a:xfrm>
+            <a:off x="132133" y="780690"/>
+            <a:ext cx="819295" cy="0"/>
+          </a:xfrm>
+          <a:prstGeom prst="line">
+            <a:avLst/>
+          </a:prstGeom>
+          <a:ln>
+            <a:solidFill>
+              <a:schemeClr val="tx1"/>
+            </a:solidFill>
+          </a:ln>
+        </p:spPr>
+        <p:style>
+          <a:lnRef idx="1">
+            <a:schemeClr val="accent1"/>
+          </a:lnRef>
+          <a:fillRef idx="0">
+            <a:schemeClr val="accent1"/>
+          </a:fillRef>
+          <a:effectRef idx="0">
+            <a:schemeClr val="accent1"/>
+          </a:effectRef>
+          <a:fontRef idx="minor">
+            <a:schemeClr val="tx1"/>
+          </a:fontRef>
+        </p:style>
+      </p:cxnSp>
+      <p:sp>
+        <p:nvSpPr>
+          <p:cNvPr id="11" name="TextBox 10">
+            <a:extLst>
+              <a:ext uri="{FF2B5EF4-FFF2-40B4-BE49-F238E27FC236}">
+                <a16:creationId xmlns:a16="http://schemas.microsoft.com/office/drawing/2014/main" id="{53A82495-9431-4CB7-A532-05C8825CF512}"/>
+              </a:ext>
+            </a:extLst>
+          </p:cNvPr>
+          <p:cNvSpPr txBox="1"/>
+          <p:nvPr/>
+        </p:nvSpPr>
+        <p:spPr>
+          <a:xfrm>
+            <a:off x="4120150" y="5868784"/>
+            <a:ext cx="3951723" cy="400110"/>
+          </a:xfrm>
+          <a:prstGeom prst="rect">
+            <a:avLst/>
+          </a:prstGeom>
+          <a:noFill/>
+        </p:spPr>
+        <p:txBody>
+          <a:bodyPr wrap="none" rtlCol="0">
+            <a:spAutoFit/>
+          </a:bodyPr>
+          <a:lstStyle/>
+          <a:p>
+            <a:pPr algn="ctr"/>
+            <a:r>
+              <a:rPr lang="ko-KR" altLang="en-US" sz="2000">
+                <a:latin typeface="나눔스퀘어OTF Light" panose="020B0600000101010101" pitchFamily="34" charset="-127"/>
+                <a:ea typeface="나눔스퀘어OTF Light" panose="020B0600000101010101" pitchFamily="34" charset="-127"/>
+              </a:rPr>
+              <a:t>시간 경과에 따라 색상을 변경합니다</a:t>
+            </a:r>
+            <a:endParaRPr lang="en-US" altLang="ko-KR" sz="2000">
+              <a:latin typeface="나눔스퀘어OTF Light" panose="020B0600000101010101" pitchFamily="34" charset="-127"/>
+              <a:ea typeface="나눔스퀘어OTF Light" panose="020B0600000101010101" pitchFamily="34" charset="-127"/>
+            </a:endParaRPr>
+          </a:p>
+        </p:txBody>
+      </p:sp>
+      <p:pic>
+        <p:nvPicPr>
+          <p:cNvPr id="3" name="그림 2">
+            <a:extLst>
+              <a:ext uri="{FF2B5EF4-FFF2-40B4-BE49-F238E27FC236}">
+                <a16:creationId xmlns:a16="http://schemas.microsoft.com/office/drawing/2014/main" id="{4CF96C8F-DABF-4EC5-8A4D-14B93A064E37}"/>
+              </a:ext>
+            </a:extLst>
+          </p:cNvPr>
+          <p:cNvPicPr>
+            <a:picLocks noChangeAspect="1"/>
+          </p:cNvPicPr>
+          <p:nvPr/>
+        </p:nvPicPr>
+        <p:blipFill>
+          <a:blip r:embed="rId2"/>
+          <a:stretch>
+            <a:fillRect/>
+          </a:stretch>
+        </p:blipFill>
+        <p:spPr>
+          <a:xfrm>
+            <a:off x="6499459" y="1055717"/>
+            <a:ext cx="2785713" cy="4480560"/>
+          </a:xfrm>
+          <a:prstGeom prst="rect">
+            <a:avLst/>
+          </a:prstGeom>
+        </p:spPr>
+      </p:pic>
+      <p:pic>
+        <p:nvPicPr>
+          <p:cNvPr id="7" name="그림 6">
+            <a:extLst>
+              <a:ext uri="{FF2B5EF4-FFF2-40B4-BE49-F238E27FC236}">
+                <a16:creationId xmlns:a16="http://schemas.microsoft.com/office/drawing/2014/main" id="{5DEA7FF6-5864-44D7-91A5-E26A76E67865}"/>
+              </a:ext>
+            </a:extLst>
+          </p:cNvPr>
+          <p:cNvPicPr>
+            <a:picLocks noChangeAspect="1"/>
+          </p:cNvPicPr>
+          <p:nvPr/>
+        </p:nvPicPr>
+        <p:blipFill>
+          <a:blip r:embed="rId3"/>
+          <a:stretch>
+            <a:fillRect/>
+          </a:stretch>
+        </p:blipFill>
+        <p:spPr>
+          <a:xfrm>
+            <a:off x="3420541" y="1150589"/>
+            <a:ext cx="2040767" cy="4385688"/>
+          </a:xfrm>
+          <a:prstGeom prst="rect">
+            <a:avLst/>
+          </a:prstGeom>
+        </p:spPr>
+      </p:pic>
+    </p:spTree>
+    <p:extLst>
+      <p:ext uri="{BB962C8B-B14F-4D97-AF65-F5344CB8AC3E}">
+        <p14:creationId xmlns:p14="http://schemas.microsoft.com/office/powerpoint/2010/main" val="2194263550"/>
+      </p:ext>
+    </p:extLst>
+  </p:cSld>
+  <p:clrMapOvr>
+    <a:masterClrMapping/>
+  </p:clrMapOvr>
+</p:sld>
+</file>
+
+<file path=ppt/slides/slide32.xml><?xml version="1.0" encoding="utf-8"?>
+<p:sld xmlns:a="http://schemas.openxmlformats.org/drawingml/2006/main" xmlns:r="http://schemas.openxmlformats.org/officeDocument/2006/relationships" xmlns:p="http://schemas.openxmlformats.org/presentationml/2006/main">
+  <p:cSld>
+    <p:spTree>
+      <p:nvGrpSpPr>
+        <p:cNvPr id="1" name=""/>
+        <p:cNvGrpSpPr/>
+        <p:nvPr/>
+      </p:nvGrpSpPr>
+      <p:grpSpPr>
+        <a:xfrm>
+          <a:off x="0" y="0"/>
+          <a:ext cx="0" cy="0"/>
+          <a:chOff x="0" y="0"/>
+          <a:chExt cx="0" cy="0"/>
+        </a:xfrm>
+      </p:grpSpPr>
+      <p:sp>
+        <p:nvSpPr>
+          <p:cNvPr id="6" name="TextBox 5">
+            <a:extLst>
+              <a:ext uri="{FF2B5EF4-FFF2-40B4-BE49-F238E27FC236}">
+                <a16:creationId xmlns:a16="http://schemas.microsoft.com/office/drawing/2014/main" id="{F453C929-8CA3-4E79-AF5D-99EC8407C6CF}"/>
+              </a:ext>
+            </a:extLst>
+          </p:cNvPr>
+          <p:cNvSpPr txBox="1"/>
+          <p:nvPr/>
+        </p:nvSpPr>
+        <p:spPr>
+          <a:xfrm>
+            <a:off x="171888" y="194702"/>
+            <a:ext cx="3025187" cy="523220"/>
+          </a:xfrm>
+          <a:prstGeom prst="rect">
+            <a:avLst/>
+          </a:prstGeom>
+          <a:noFill/>
+        </p:spPr>
+        <p:txBody>
+          <a:bodyPr wrap="none" rtlCol="0">
+            <a:spAutoFit/>
+          </a:bodyPr>
+          <a:lstStyle/>
+          <a:p>
+            <a:r>
+              <a:rPr lang="en-US" altLang="ko-KR" sz="2800">
+                <a:latin typeface="나눔스퀘어OTF Light" panose="020B0600000101010101" pitchFamily="34" charset="-127"/>
+                <a:ea typeface="나눔스퀘어OTF Light" panose="020B0600000101010101" pitchFamily="34" charset="-127"/>
+              </a:rPr>
+              <a:t>4. </a:t>
+            </a:r>
+            <a:r>
+              <a:rPr lang="ko-KR" altLang="en-US" sz="2800">
+                <a:latin typeface="나눔스퀘어OTF Light" panose="020B0600000101010101" pitchFamily="34" charset="-127"/>
+                <a:ea typeface="나눔스퀘어OTF Light" panose="020B0600000101010101" pitchFamily="34" charset="-127"/>
+              </a:rPr>
+              <a:t>카툰 불꽃 파티클</a:t>
+            </a:r>
+          </a:p>
+        </p:txBody>
+      </p:sp>
+      <p:cxnSp>
+        <p:nvCxnSpPr>
+          <p:cNvPr id="4" name="직선 연결선 3">
+            <a:extLst>
+              <a:ext uri="{FF2B5EF4-FFF2-40B4-BE49-F238E27FC236}">
+                <a16:creationId xmlns:a16="http://schemas.microsoft.com/office/drawing/2014/main" id="{7442459B-3DED-44F0-9E4C-B50601FEB425}"/>
+              </a:ext>
+            </a:extLst>
+          </p:cNvPr>
+          <p:cNvCxnSpPr>
+            <a:cxnSpLocks/>
+          </p:cNvCxnSpPr>
+          <p:nvPr/>
+        </p:nvCxnSpPr>
+        <p:spPr>
+          <a:xfrm>
+            <a:off x="132133" y="780690"/>
+            <a:ext cx="819295" cy="0"/>
+          </a:xfrm>
+          <a:prstGeom prst="line">
+            <a:avLst/>
+          </a:prstGeom>
+          <a:ln>
+            <a:solidFill>
+              <a:schemeClr val="tx1"/>
+            </a:solidFill>
+          </a:ln>
+        </p:spPr>
+        <p:style>
+          <a:lnRef idx="1">
+            <a:schemeClr val="accent1"/>
+          </a:lnRef>
+          <a:fillRef idx="0">
+            <a:schemeClr val="accent1"/>
+          </a:fillRef>
+          <a:effectRef idx="0">
+            <a:schemeClr val="accent1"/>
+          </a:effectRef>
+          <a:fontRef idx="minor">
+            <a:schemeClr val="tx1"/>
+          </a:fontRef>
+        </p:style>
+      </p:cxnSp>
+      <p:sp>
+        <p:nvSpPr>
+          <p:cNvPr id="11" name="TextBox 10">
+            <a:extLst>
+              <a:ext uri="{FF2B5EF4-FFF2-40B4-BE49-F238E27FC236}">
+                <a16:creationId xmlns:a16="http://schemas.microsoft.com/office/drawing/2014/main" id="{53A82495-9431-4CB7-A532-05C8825CF512}"/>
+              </a:ext>
+            </a:extLst>
+          </p:cNvPr>
+          <p:cNvSpPr txBox="1"/>
+          <p:nvPr/>
+        </p:nvSpPr>
+        <p:spPr>
+          <a:xfrm>
+            <a:off x="4120154" y="5868784"/>
+            <a:ext cx="3951723" cy="400110"/>
+          </a:xfrm>
+          <a:prstGeom prst="rect">
+            <a:avLst/>
+          </a:prstGeom>
+          <a:noFill/>
+        </p:spPr>
+        <p:txBody>
+          <a:bodyPr wrap="none" rtlCol="0">
+            <a:spAutoFit/>
+          </a:bodyPr>
+          <a:lstStyle/>
+          <a:p>
+            <a:pPr algn="ctr"/>
+            <a:r>
+              <a:rPr lang="ko-KR" altLang="en-US" sz="2000">
+                <a:latin typeface="나눔스퀘어OTF Light" panose="020B0600000101010101" pitchFamily="34" charset="-127"/>
+                <a:ea typeface="나눔스퀘어OTF Light" panose="020B0600000101010101" pitchFamily="34" charset="-127"/>
+              </a:rPr>
+              <a:t>값들을 적절히 수정하여 완성합니다</a:t>
+            </a:r>
+            <a:endParaRPr lang="en-US" altLang="ko-KR" sz="2000">
+              <a:latin typeface="나눔스퀘어OTF Light" panose="020B0600000101010101" pitchFamily="34" charset="-127"/>
+              <a:ea typeface="나눔스퀘어OTF Light" panose="020B0600000101010101" pitchFamily="34" charset="-127"/>
+            </a:endParaRPr>
+          </a:p>
+        </p:txBody>
+      </p:sp>
+      <p:pic>
+        <p:nvPicPr>
+          <p:cNvPr id="5" name="그림 4">
+            <a:extLst>
+              <a:ext uri="{FF2B5EF4-FFF2-40B4-BE49-F238E27FC236}">
+                <a16:creationId xmlns:a16="http://schemas.microsoft.com/office/drawing/2014/main" id="{17A40446-2F3F-483B-8FB5-8AD1D033DAD1}"/>
+              </a:ext>
+            </a:extLst>
+          </p:cNvPr>
+          <p:cNvPicPr>
+            <a:picLocks noChangeAspect="1"/>
+          </p:cNvPicPr>
+          <p:nvPr/>
+        </p:nvPicPr>
+        <p:blipFill>
+          <a:blip r:embed="rId2"/>
+          <a:stretch>
+            <a:fillRect/>
+          </a:stretch>
+        </p:blipFill>
+        <p:spPr>
+          <a:xfrm>
+            <a:off x="4977899" y="1371116"/>
+            <a:ext cx="2236201" cy="4115767"/>
+          </a:xfrm>
+          <a:prstGeom prst="rect">
+            <a:avLst/>
+          </a:prstGeom>
+        </p:spPr>
+      </p:pic>
+    </p:spTree>
+    <p:extLst>
+      <p:ext uri="{BB962C8B-B14F-4D97-AF65-F5344CB8AC3E}">
+        <p14:creationId xmlns:p14="http://schemas.microsoft.com/office/powerpoint/2010/main" val="373144991"/>
+      </p:ext>
+    </p:extLst>
+  </p:cSld>
+  <p:clrMapOvr>
+    <a:masterClrMapping/>
+  </p:clrMapOvr>
+</p:sld>
+</file>
+
+<file path=ppt/slides/slide33.xml><?xml version="1.0" encoding="utf-8"?>
+<p:sld xmlns:a="http://schemas.openxmlformats.org/drawingml/2006/main" xmlns:r="http://schemas.openxmlformats.org/officeDocument/2006/relationships" xmlns:p="http://schemas.openxmlformats.org/presentationml/2006/main">
+  <p:cSld>
+    <p:spTree>
+      <p:nvGrpSpPr>
+        <p:cNvPr id="1" name=""/>
+        <p:cNvGrpSpPr/>
+        <p:nvPr/>
+      </p:nvGrpSpPr>
+      <p:grpSpPr>
+        <a:xfrm>
+          <a:off x="0" y="0"/>
+          <a:ext cx="0" cy="0"/>
+          <a:chOff x="0" y="0"/>
+          <a:chExt cx="0" cy="0"/>
+        </a:xfrm>
+      </p:grpSpPr>
+      <p:sp>
+        <p:nvSpPr>
+          <p:cNvPr id="6" name="TextBox 5">
+            <a:extLst>
+              <a:ext uri="{FF2B5EF4-FFF2-40B4-BE49-F238E27FC236}">
+                <a16:creationId xmlns:a16="http://schemas.microsoft.com/office/drawing/2014/main" id="{F453C929-8CA3-4E79-AF5D-99EC8407C6CF}"/>
+              </a:ext>
+            </a:extLst>
+          </p:cNvPr>
+          <p:cNvSpPr txBox="1"/>
+          <p:nvPr/>
+        </p:nvSpPr>
+        <p:spPr>
+          <a:xfrm>
+            <a:off x="5770431" y="2629032"/>
+            <a:ext cx="651140" cy="707886"/>
+          </a:xfrm>
+          <a:prstGeom prst="rect">
+            <a:avLst/>
+          </a:prstGeom>
+          <a:noFill/>
+        </p:spPr>
+        <p:txBody>
+          <a:bodyPr wrap="none" rtlCol="0">
+            <a:spAutoFit/>
+          </a:bodyPr>
+          <a:lstStyle/>
+          <a:p>
+            <a:pPr algn="ctr"/>
+            <a:r>
+              <a:rPr lang="ko-KR" altLang="en-US" sz="4000">
+                <a:latin typeface="나눔스퀘어OTF Light" panose="020B0600000101010101" pitchFamily="34" charset="-127"/>
+                <a:ea typeface="나눔스퀘어OTF Light" panose="020B0600000101010101" pitchFamily="34" charset="-127"/>
+              </a:rPr>
+              <a:t>끝</a:t>
+            </a:r>
+          </a:p>
+        </p:txBody>
+      </p:sp>
+      <p:sp>
+        <p:nvSpPr>
+          <p:cNvPr id="3" name="TextBox 2">
+            <a:extLst>
+              <a:ext uri="{FF2B5EF4-FFF2-40B4-BE49-F238E27FC236}">
+                <a16:creationId xmlns:a16="http://schemas.microsoft.com/office/drawing/2014/main" id="{3D4DB731-0D09-4D43-B30D-F113660223A3}"/>
+              </a:ext>
+            </a:extLst>
+          </p:cNvPr>
+          <p:cNvSpPr txBox="1"/>
+          <p:nvPr/>
+        </p:nvSpPr>
+        <p:spPr>
+          <a:xfrm>
+            <a:off x="3595155" y="3336918"/>
+            <a:ext cx="1683474" cy="400110"/>
+          </a:xfrm>
+          <a:prstGeom prst="rect">
+            <a:avLst/>
+          </a:prstGeom>
+          <a:noFill/>
+        </p:spPr>
+        <p:txBody>
+          <a:bodyPr wrap="none" rtlCol="0">
+            <a:spAutoFit/>
+          </a:bodyPr>
+          <a:lstStyle/>
+          <a:p>
+            <a:r>
+              <a:rPr lang="en-US" altLang="ko-KR" sz="2000">
+                <a:latin typeface="나눔스퀘어OTF Light" panose="020B0600000101010101" pitchFamily="34" charset="-127"/>
+                <a:ea typeface="나눔스퀘어OTF Light" panose="020B0600000101010101" pitchFamily="34" charset="-127"/>
+              </a:rPr>
+              <a:t>2. </a:t>
+            </a:r>
+            <a:r>
+              <a:rPr lang="ko-KR" altLang="en-US" sz="2000">
+                <a:latin typeface="나눔스퀘어OTF Light" panose="020B0600000101010101" pitchFamily="34" charset="-127"/>
+                <a:ea typeface="나눔스퀘어OTF Light" panose="020B0600000101010101" pitchFamily="34" charset="-127"/>
+              </a:rPr>
+              <a:t>파티클 기초</a:t>
+            </a:r>
+          </a:p>
+        </p:txBody>
+      </p:sp>
+      <p:cxnSp>
+        <p:nvCxnSpPr>
+          <p:cNvPr id="4" name="직선 연결선 3">
+            <a:extLst>
+              <a:ext uri="{FF2B5EF4-FFF2-40B4-BE49-F238E27FC236}">
+                <a16:creationId xmlns:a16="http://schemas.microsoft.com/office/drawing/2014/main" id="{7442459B-3DED-44F0-9E4C-B50601FEB425}"/>
+              </a:ext>
+            </a:extLst>
+          </p:cNvPr>
+          <p:cNvCxnSpPr/>
+          <p:nvPr/>
+        </p:nvCxnSpPr>
+        <p:spPr>
+          <a:xfrm>
+            <a:off x="3642861" y="3328967"/>
+            <a:ext cx="4858247" cy="0"/>
+          </a:xfrm>
+          <a:prstGeom prst="line">
+            <a:avLst/>
+          </a:prstGeom>
+          <a:ln>
+            <a:solidFill>
+              <a:schemeClr val="tx1"/>
+            </a:solidFill>
+          </a:ln>
+        </p:spPr>
+        <p:style>
+          <a:lnRef idx="1">
+            <a:schemeClr val="accent1"/>
+          </a:lnRef>
+          <a:fillRef idx="0">
+            <a:schemeClr val="accent1"/>
+          </a:fillRef>
+          <a:effectRef idx="0">
+            <a:schemeClr val="accent1"/>
+          </a:effectRef>
+          <a:fontRef idx="minor">
+            <a:schemeClr val="tx1"/>
+          </a:fontRef>
+        </p:style>
+      </p:cxnSp>
+    </p:spTree>
+    <p:extLst>
+      <p:ext uri="{BB962C8B-B14F-4D97-AF65-F5344CB8AC3E}">
+        <p14:creationId xmlns:p14="http://schemas.microsoft.com/office/powerpoint/2010/main" val="1544407394"/>
       </p:ext>
     </p:extLst>
   </p:cSld>
